--- a/Project Info.pptx
+++ b/Project Info.pptx
@@ -142,6 +142,88 @@
 </p:cmAuthorLst>
 </file>
 
+<file path=ppt/changesInfos/changesInfo1.xml><?xml version="1.0" encoding="utf-8"?>
+<pc:chgInfo xmlns:a="http://schemas.openxmlformats.org/drawingml/2006/main" xmlns:r="http://schemas.openxmlformats.org/officeDocument/2006/relationships" xmlns:ac="http://schemas.microsoft.com/office/drawing/2013/main/command" xmlns:pc="http://schemas.microsoft.com/office/powerpoint/2013/main/command">
+  <pc:docChgLst>
+    <pc:chgData name="Suman Duduka" userId="cd650ad2-cd27-4ecd-8e3a-1b1e39896e63" providerId="ADAL" clId="{A7DF6882-9606-4262-8AC4-5629C1847D63}"/>
+    <pc:docChg chg="undo custSel modSld">
+      <pc:chgData name="Suman Duduka" userId="cd650ad2-cd27-4ecd-8e3a-1b1e39896e63" providerId="ADAL" clId="{A7DF6882-9606-4262-8AC4-5629C1847D63}" dt="2025-02-25T15:27:10.631" v="65" actId="20577"/>
+      <pc:docMkLst>
+        <pc:docMk/>
+      </pc:docMkLst>
+      <pc:sldChg chg="modSp mod">
+        <pc:chgData name="Suman Duduka" userId="cd650ad2-cd27-4ecd-8e3a-1b1e39896e63" providerId="ADAL" clId="{A7DF6882-9606-4262-8AC4-5629C1847D63}" dt="2025-02-25T15:25:35.639" v="32" actId="20577"/>
+        <pc:sldMkLst>
+          <pc:docMk/>
+          <pc:sldMk cId="2639983765" sldId="273"/>
+        </pc:sldMkLst>
+        <pc:spChg chg="mod">
+          <ac:chgData name="Suman Duduka" userId="cd650ad2-cd27-4ecd-8e3a-1b1e39896e63" providerId="ADAL" clId="{A7DF6882-9606-4262-8AC4-5629C1847D63}" dt="2025-02-25T15:25:35.639" v="32" actId="20577"/>
+          <ac:spMkLst>
+            <pc:docMk/>
+            <pc:sldMk cId="2639983765" sldId="273"/>
+            <ac:spMk id="18" creationId="{C43E5938-A240-348A-CE7F-F1FB08660E71}"/>
+          </ac:spMkLst>
+        </pc:spChg>
+      </pc:sldChg>
+      <pc:sldChg chg="modSp mod">
+        <pc:chgData name="Suman Duduka" userId="cd650ad2-cd27-4ecd-8e3a-1b1e39896e63" providerId="ADAL" clId="{A7DF6882-9606-4262-8AC4-5629C1847D63}" dt="2025-02-25T15:26:40.296" v="62" actId="20577"/>
+        <pc:sldMkLst>
+          <pc:docMk/>
+          <pc:sldMk cId="1481780983" sldId="288"/>
+        </pc:sldMkLst>
+        <pc:spChg chg="mod">
+          <ac:chgData name="Suman Duduka" userId="cd650ad2-cd27-4ecd-8e3a-1b1e39896e63" providerId="ADAL" clId="{A7DF6882-9606-4262-8AC4-5629C1847D63}" dt="2025-02-25T15:25:06.875" v="9" actId="20577"/>
+          <ac:spMkLst>
+            <pc:docMk/>
+            <pc:sldMk cId="1481780983" sldId="288"/>
+            <ac:spMk id="17" creationId="{4A540CC4-F977-114B-8384-EA978BC7881E}"/>
+          </ac:spMkLst>
+        </pc:spChg>
+        <pc:spChg chg="mod">
+          <ac:chgData name="Suman Duduka" userId="cd650ad2-cd27-4ecd-8e3a-1b1e39896e63" providerId="ADAL" clId="{A7DF6882-9606-4262-8AC4-5629C1847D63}" dt="2025-02-25T15:26:40.296" v="62" actId="20577"/>
+          <ac:spMkLst>
+            <pc:docMk/>
+            <pc:sldMk cId="1481780983" sldId="288"/>
+            <ac:spMk id="18" creationId="{C43E5938-A240-348A-CE7F-F1FB08660E71}"/>
+          </ac:spMkLst>
+        </pc:spChg>
+      </pc:sldChg>
+      <pc:sldChg chg="modSp mod">
+        <pc:chgData name="Suman Duduka" userId="cd650ad2-cd27-4ecd-8e3a-1b1e39896e63" providerId="ADAL" clId="{A7DF6882-9606-4262-8AC4-5629C1847D63}" dt="2025-02-25T15:26:59.750" v="64" actId="113"/>
+        <pc:sldMkLst>
+          <pc:docMk/>
+          <pc:sldMk cId="986394838" sldId="289"/>
+        </pc:sldMkLst>
+        <pc:spChg chg="mod">
+          <ac:chgData name="Suman Duduka" userId="cd650ad2-cd27-4ecd-8e3a-1b1e39896e63" providerId="ADAL" clId="{A7DF6882-9606-4262-8AC4-5629C1847D63}" dt="2025-02-25T15:26:59.750" v="64" actId="113"/>
+          <ac:spMkLst>
+            <pc:docMk/>
+            <pc:sldMk cId="986394838" sldId="289"/>
+            <ac:spMk id="18" creationId="{C43E5938-A240-348A-CE7F-F1FB08660E71}"/>
+          </ac:spMkLst>
+        </pc:spChg>
+      </pc:sldChg>
+      <pc:sldChg chg="modSp mod">
+        <pc:chgData name="Suman Duduka" userId="cd650ad2-cd27-4ecd-8e3a-1b1e39896e63" providerId="ADAL" clId="{A7DF6882-9606-4262-8AC4-5629C1847D63}" dt="2025-02-25T15:27:10.631" v="65" actId="20577"/>
+        <pc:sldMkLst>
+          <pc:docMk/>
+          <pc:sldMk cId="87800892" sldId="293"/>
+        </pc:sldMkLst>
+        <pc:spChg chg="mod">
+          <ac:chgData name="Suman Duduka" userId="cd650ad2-cd27-4ecd-8e3a-1b1e39896e63" providerId="ADAL" clId="{A7DF6882-9606-4262-8AC4-5629C1847D63}" dt="2025-02-25T15:27:10.631" v="65" actId="20577"/>
+          <ac:spMkLst>
+            <pc:docMk/>
+            <pc:sldMk cId="87800892" sldId="293"/>
+            <ac:spMk id="18" creationId="{C43E5938-A240-348A-CE7F-F1FB08660E71}"/>
+          </ac:spMkLst>
+        </pc:spChg>
+      </pc:sldChg>
+    </pc:docChg>
+  </pc:docChgLst>
+</pc:chgInfo>
+</file>
+
 <file path=ppt/handoutMasters/handoutMaster1.xml><?xml version="1.0" encoding="utf-8"?>
 <p:handoutMaster xmlns:a="http://schemas.openxmlformats.org/drawingml/2006/main" xmlns:r="http://schemas.openxmlformats.org/officeDocument/2006/relationships" xmlns:p="http://schemas.openxmlformats.org/presentationml/2006/main">
   <p:cSld>
@@ -199,7 +281,7 @@
           <a:p>
             <a:fld id="{1EBEDD12-BCD5-485B-BCBC-34BB01D7923C}" type="datetimeFigureOut">
               <a:rPr lang="en-US" smtClean="0"/>
-              <a:t>21-Feb-25</a:t>
+              <a:t>25-Feb-25</a:t>
             </a:fld>
             <a:endParaRPr lang="en-US" dirty="0"/>
           </a:p>
@@ -413,7 +495,7 @@
           <a:p>
             <a:fld id="{6EE7A52F-9D89-7442-A8E9-48D1527B5F6B}" type="datetimeFigureOut">
               <a:rPr lang="en-US" smtClean="0"/>
-              <a:t>21-Feb-25</a:t>
+              <a:t>25-Feb-25</a:t>
             </a:fld>
             <a:endParaRPr lang="en-US" dirty="0"/>
           </a:p>
@@ -4354,7 +4436,7 @@
             <a:fld id="{F5592931-05C6-8543-8B6E-A8BD29BD5C2B}" type="datetime1">
               <a:rPr lang="en-US" smtClean="0"/>
               <a:pPr/>
-              <a:t>21-Feb-25</a:t>
+              <a:t>25-Feb-25</a:t>
             </a:fld>
             <a:endParaRPr lang="en-US" dirty="0"/>
           </a:p>
@@ -10009,13 +10091,13 @@
   <p:clrMapOvr>
     <a:masterClrMapping/>
   </p:clrMapOvr>
-  <mc:AlternateContent xmlns:mc="http://schemas.openxmlformats.org/markup-compatibility/2006">
-    <mc:Choice xmlns:p159="http://schemas.microsoft.com/office/powerpoint/2015/09/main" Requires="p159">
+  <mc:AlternateContent xmlns:mc="http://schemas.openxmlformats.org/markup-compatibility/2006" xmlns:p159="http://schemas.microsoft.com/office/powerpoint/2015/09/main">
+    <mc:Choice Requires="p159">
       <p:transition xmlns:p14="http://schemas.microsoft.com/office/powerpoint/2010/main" spd="slow" p14:dur="2000">
         <p159:morph option="byObject"/>
       </p:transition>
     </mc:Choice>
-    <mc:Fallback>
+    <mc:Fallback xmlns="">
       <p:transition spd="slow">
         <p:fade/>
       </p:transition>
@@ -10163,13 +10245,13 @@
   <p:clrMapOvr>
     <a:masterClrMapping/>
   </p:clrMapOvr>
-  <mc:AlternateContent xmlns:mc="http://schemas.openxmlformats.org/markup-compatibility/2006">
-    <mc:Choice xmlns:p159="http://schemas.microsoft.com/office/powerpoint/2015/09/main" Requires="p159">
+  <mc:AlternateContent xmlns:mc="http://schemas.openxmlformats.org/markup-compatibility/2006" xmlns:p159="http://schemas.microsoft.com/office/powerpoint/2015/09/main">
+    <mc:Choice Requires="p159">
       <p:transition xmlns:p14="http://schemas.microsoft.com/office/powerpoint/2010/main" spd="slow" p14:dur="2000">
         <p159:morph option="byObject"/>
       </p:transition>
     </mc:Choice>
-    <mc:Fallback>
+    <mc:Fallback xmlns="">
       <p:transition spd="slow">
         <p:fade/>
       </p:transition>
@@ -10274,13 +10356,13 @@
   <p:clrMapOvr>
     <a:masterClrMapping/>
   </p:clrMapOvr>
-  <mc:AlternateContent xmlns:mc="http://schemas.openxmlformats.org/markup-compatibility/2006">
-    <mc:Choice xmlns:p159="http://schemas.microsoft.com/office/powerpoint/2015/09/main" Requires="p159">
+  <mc:AlternateContent xmlns:mc="http://schemas.openxmlformats.org/markup-compatibility/2006" xmlns:p159="http://schemas.microsoft.com/office/powerpoint/2015/09/main">
+    <mc:Choice Requires="p159">
       <p:transition xmlns:p14="http://schemas.microsoft.com/office/powerpoint/2010/main" spd="slow" p14:dur="2000">
         <p159:morph option="byObject"/>
       </p:transition>
     </mc:Choice>
-    <mc:Fallback>
+    <mc:Fallback xmlns="">
       <p:transition spd="slow">
         <p:fade/>
       </p:transition>
@@ -10400,7 +10482,7 @@
         </p:spPr>
         <p:txBody>
           <a:bodyPr>
-            <a:normAutofit/>
+            <a:normAutofit lnSpcReduction="10000"/>
           </a:bodyPr>
           <a:lstStyle/>
           <a:p>
@@ -10409,7 +10491,7 @@
               <a:buChar char="•"/>
             </a:pPr>
             <a:r>
-              <a:rPr lang="en-US" sz="2200" b="1"/>
+              <a:rPr lang="en-US" sz="2200" b="1" dirty="0"/>
               <a:t>Texas has highest Sales value.</a:t>
             </a:r>
           </a:p>
@@ -10419,7 +10501,7 @@
               <a:buChar char="•"/>
             </a:pPr>
             <a:r>
-              <a:rPr lang="en-US" sz="2200" b="1"/>
+              <a:rPr lang="en-US" sz="2200" b="1" dirty="0"/>
               <a:t>Sales in Texas are worth about $16.72 Million</a:t>
             </a:r>
           </a:p>
@@ -10429,16 +10511,21 @@
               <a:buChar char="•"/>
             </a:pPr>
             <a:r>
-              <a:rPr lang="en-US" sz="2200" b="1"/>
-              <a:t>California has second highest sales in US</a:t>
+              <a:rPr lang="en-US" sz="2200" b="1" dirty="0"/>
+              <a:t>California has second highest sales </a:t>
             </a:r>
+            <a:r>
+              <a:rPr lang="en-US" sz="2200" dirty="0"/>
+              <a:t>at $15.39 Million</a:t>
+            </a:r>
+            <a:endParaRPr lang="en-US" sz="2200" b="1" dirty="0"/>
           </a:p>
           <a:p>
             <a:pPr marL="342900" indent="-342900">
               <a:buFont typeface="Arial" panose="020B0604020202020204" pitchFamily="34" charset="0"/>
               <a:buChar char="•"/>
             </a:pPr>
-            <a:endParaRPr lang="en-US" sz="2200" b="1"/>
+            <a:endParaRPr lang="en-US" sz="2200" b="1" dirty="0"/>
           </a:p>
         </p:txBody>
       </p:sp>
@@ -10496,13 +10583,13 @@
   <p:clrMapOvr>
     <a:masterClrMapping/>
   </p:clrMapOvr>
-  <mc:AlternateContent xmlns:mc="http://schemas.openxmlformats.org/markup-compatibility/2006">
-    <mc:Choice xmlns:p159="http://schemas.microsoft.com/office/powerpoint/2015/09/main" Requires="p159">
+  <mc:AlternateContent xmlns:mc="http://schemas.openxmlformats.org/markup-compatibility/2006" xmlns:p159="http://schemas.microsoft.com/office/powerpoint/2015/09/main">
+    <mc:Choice Requires="p159">
       <p:transition xmlns:p14="http://schemas.microsoft.com/office/powerpoint/2010/main" spd="slow" p14:dur="2000">
         <p159:morph option="byObject"/>
       </p:transition>
     </mc:Choice>
-    <mc:Fallback>
+    <mc:Fallback xmlns="">
       <p:transition spd="slow">
         <p:fade/>
       </p:transition>
@@ -10557,8 +10644,8 @@
           <a:lstStyle/>
           <a:p>
             <a:r>
-              <a:rPr lang="en-US"/>
-              <a:t>What are the top 3 US States with highest orders?</a:t>
+              <a:rPr lang="en-US" dirty="0"/>
+              <a:t>What are the top 3 US States with highest orders per month?</a:t>
             </a:r>
           </a:p>
         </p:txBody>
@@ -10597,7 +10684,11 @@
             </a:pPr>
             <a:r>
               <a:rPr lang="en-US" b="1" dirty="0"/>
-              <a:t>Texas – 1 (50.91K Sales)</a:t>
+              <a:t>1 - Texas </a:t>
+            </a:r>
+            <a:r>
+              <a:rPr lang="en-US" dirty="0"/>
+              <a:t>(50.91K Sales)</a:t>
             </a:r>
           </a:p>
           <a:p>
@@ -10607,7 +10698,11 @@
             </a:pPr>
             <a:r>
               <a:rPr lang="en-US" b="1" dirty="0"/>
-              <a:t>California – 2 (49.83K Sales)</a:t>
+              <a:t>2 - California </a:t>
+            </a:r>
+            <a:r>
+              <a:rPr lang="en-US" dirty="0"/>
+              <a:t>(49.83K Sales)</a:t>
             </a:r>
           </a:p>
           <a:p>
@@ -10617,7 +10712,11 @@
             </a:pPr>
             <a:r>
               <a:rPr lang="en-US" b="1" dirty="0"/>
-              <a:t>New York – 3 (48.07K Sales)</a:t>
+              <a:t>3 - New York </a:t>
+            </a:r>
+            <a:r>
+              <a:rPr lang="en-US" dirty="0"/>
+              <a:t>(48.07K Sales)</a:t>
             </a:r>
           </a:p>
         </p:txBody>
@@ -10702,13 +10801,13 @@
   <p:clrMapOvr>
     <a:masterClrMapping/>
   </p:clrMapOvr>
-  <mc:AlternateContent xmlns:mc="http://schemas.openxmlformats.org/markup-compatibility/2006">
-    <mc:Choice xmlns:p159="http://schemas.microsoft.com/office/powerpoint/2015/09/main" Requires="p159">
+  <mc:AlternateContent xmlns:mc="http://schemas.openxmlformats.org/markup-compatibility/2006" xmlns:p159="http://schemas.microsoft.com/office/powerpoint/2015/09/main">
+    <mc:Choice Requires="p159">
       <p:transition xmlns:p14="http://schemas.microsoft.com/office/powerpoint/2010/main" spd="slow" p14:dur="2000">
         <p159:morph option="byObject"/>
       </p:transition>
     </mc:Choice>
-    <mc:Fallback>
+    <mc:Fallback xmlns="">
       <p:transition spd="slow">
         <p:fade/>
       </p:transition>
@@ -10828,8 +10927,12 @@
           <a:lstStyle/>
           <a:p>
             <a:r>
+              <a:rPr lang="en-US" dirty="0"/>
+              <a:t>Based on the visualization, the discounts start to increase from </a:t>
+            </a:r>
+            <a:r>
               <a:rPr lang="en-US" b="1" dirty="0"/>
-              <a:t>Based on the visualization, the discounts start to increase from November and end in January. DECEMBER has highest discounts.</a:t>
+              <a:t>November and end in January. DECEMBER has highest discounts.</a:t>
             </a:r>
           </a:p>
         </p:txBody>
@@ -10888,13 +10991,13 @@
   <p:clrMapOvr>
     <a:masterClrMapping/>
   </p:clrMapOvr>
-  <mc:AlternateContent xmlns:mc="http://schemas.openxmlformats.org/markup-compatibility/2006">
-    <mc:Choice xmlns:p159="http://schemas.microsoft.com/office/powerpoint/2015/09/main" Requires="p159">
+  <mc:AlternateContent xmlns:mc="http://schemas.openxmlformats.org/markup-compatibility/2006" xmlns:p159="http://schemas.microsoft.com/office/powerpoint/2015/09/main">
+    <mc:Choice Requires="p159">
       <p:transition xmlns:p14="http://schemas.microsoft.com/office/powerpoint/2010/main" spd="slow" p14:dur="2000">
         <p159:morph option="byObject"/>
       </p:transition>
     </mc:Choice>
-    <mc:Fallback>
+    <mc:Fallback xmlns="">
       <p:transition spd="slow">
         <p:fade/>
       </p:transition>
@@ -11097,13 +11200,13 @@
   <p:clrMapOvr>
     <a:masterClrMapping/>
   </p:clrMapOvr>
-  <mc:AlternateContent xmlns:mc="http://schemas.openxmlformats.org/markup-compatibility/2006">
-    <mc:Choice xmlns:p159="http://schemas.microsoft.com/office/powerpoint/2015/09/main" Requires="p159">
+  <mc:AlternateContent xmlns:mc="http://schemas.openxmlformats.org/markup-compatibility/2006" xmlns:p159="http://schemas.microsoft.com/office/powerpoint/2015/09/main">
+    <mc:Choice Requires="p159">
       <p:transition xmlns:p14="http://schemas.microsoft.com/office/powerpoint/2010/main" spd="slow" p14:dur="2000">
         <p159:morph option="byObject"/>
       </p:transition>
     </mc:Choice>
-    <mc:Fallback>
+    <mc:Fallback xmlns="">
       <p:transition spd="slow">
         <p:fade/>
       </p:transition>
@@ -11237,7 +11340,7 @@
               <a:buChar char="•"/>
             </a:pPr>
             <a:r>
-              <a:rPr lang="en-US" sz="2200" b="1"/>
+              <a:rPr lang="en-US" sz="2200" b="1" dirty="0"/>
               <a:t>COD (Cash on Delivery) is the highest used payment methods across the US States.</a:t>
             </a:r>
           </a:p>
@@ -11247,7 +11350,7 @@
               <a:buChar char="•"/>
             </a:pPr>
             <a:r>
-              <a:rPr lang="en-US" sz="2200" b="1"/>
+              <a:rPr lang="en-US" sz="2200" b="1" dirty="0"/>
               <a:t>276.23K orders are placed using COD.</a:t>
             </a:r>
           </a:p>
@@ -11257,14 +11360,17 @@
               <a:buChar char="•"/>
             </a:pPr>
             <a:r>
-              <a:rPr lang="en-US" sz="2200" b="1"/>
+              <a:rPr lang="en-US" sz="2200" b="1" dirty="0"/>
               <a:t>It is followed by </a:t>
             </a:r>
             <a:r>
-              <a:rPr lang="en-US" sz="2200" b="1" err="1"/>
+              <a:rPr lang="en-US" sz="2200" b="1" dirty="0" err="1"/>
               <a:t>EasyPay</a:t>
             </a:r>
-            <a:endParaRPr lang="en-US" sz="2200" b="1"/>
+            <a:r>
+              <a:rPr lang="en-US" sz="2200" b="1" dirty="0"/>
+              <a:t>.</a:t>
+            </a:r>
           </a:p>
         </p:txBody>
       </p:sp>
@@ -11322,13 +11428,13 @@
   <p:clrMapOvr>
     <a:masterClrMapping/>
   </p:clrMapOvr>
-  <mc:AlternateContent xmlns:mc="http://schemas.openxmlformats.org/markup-compatibility/2006">
-    <mc:Choice xmlns:p159="http://schemas.microsoft.com/office/powerpoint/2015/09/main" Requires="p159">
+  <mc:AlternateContent xmlns:mc="http://schemas.openxmlformats.org/markup-compatibility/2006" xmlns:p159="http://schemas.microsoft.com/office/powerpoint/2015/09/main">
+    <mc:Choice Requires="p159">
       <p:transition xmlns:p14="http://schemas.microsoft.com/office/powerpoint/2010/main" spd="slow" p14:dur="2000">
         <p159:morph option="byObject"/>
       </p:transition>
     </mc:Choice>
-    <mc:Fallback>
+    <mc:Fallback xmlns="">
       <p:transition spd="slow">
         <p:fade/>
       </p:transition>
@@ -11472,13 +11578,13 @@
   <p:clrMapOvr>
     <a:masterClrMapping/>
   </p:clrMapOvr>
-  <mc:AlternateContent xmlns:mc="http://schemas.openxmlformats.org/markup-compatibility/2006">
-    <mc:Choice xmlns:p159="http://schemas.microsoft.com/office/powerpoint/2015/09/main" Requires="p159">
+  <mc:AlternateContent xmlns:mc="http://schemas.openxmlformats.org/markup-compatibility/2006" xmlns:p159="http://schemas.microsoft.com/office/powerpoint/2015/09/main">
+    <mc:Choice Requires="p159">
       <p:transition xmlns:p14="http://schemas.microsoft.com/office/powerpoint/2010/main" spd="slow" p14:dur="2000">
         <p159:morph option="byObject"/>
       </p:transition>
     </mc:Choice>
-    <mc:Fallback>
+    <mc:Fallback xmlns="">
       <p:transition spd="slow">
         <p:fade/>
       </p:transition>
@@ -11624,13 +11730,13 @@
   <p:clrMapOvr>
     <a:masterClrMapping/>
   </p:clrMapOvr>
-  <mc:AlternateContent xmlns:mc="http://schemas.openxmlformats.org/markup-compatibility/2006">
-    <mc:Choice xmlns:p159="http://schemas.microsoft.com/office/powerpoint/2015/09/main" Requires="p159">
+  <mc:AlternateContent xmlns:mc="http://schemas.openxmlformats.org/markup-compatibility/2006" xmlns:p159="http://schemas.microsoft.com/office/powerpoint/2015/09/main">
+    <mc:Choice Requires="p159">
       <p:transition xmlns:p14="http://schemas.microsoft.com/office/powerpoint/2010/main" spd="slow" p14:dur="2000">
         <p159:morph option="byObject"/>
       </p:transition>
     </mc:Choice>
-    <mc:Fallback>
+    <mc:Fallback xmlns="">
       <p:transition spd="slow">
         <p:fade/>
       </p:transition>
@@ -12431,12 +12537,23 @@
 </file>
 
 <file path=customXml/item1.xml><?xml version="1.0" encoding="utf-8"?>
-<?mso-contentType ?>
-<FormTemplates xmlns="http://schemas.microsoft.com/sharepoint/v3/contenttype/forms">
-  <Display>DocumentLibraryForm</Display>
-  <Edit>DocumentLibraryForm</Edit>
-  <New>DocumentLibraryForm</New>
-</FormTemplates>
+<p:properties xmlns:p="http://schemas.microsoft.com/office/2006/metadata/properties" xmlns:xsi="http://www.w3.org/2001/XMLSchema-instance" xmlns:pc="http://schemas.microsoft.com/office/infopath/2007/PartnerControls">
+  <documentManagement>
+    <Background xmlns="71af3243-3dd4-4a8d-8c0d-dd76da1f02a5">false</Background>
+    <Status xmlns="71af3243-3dd4-4a8d-8c0d-dd76da1f02a5">Not started</Status>
+    <_ip_UnifiedCompliancePolicyUIAction xmlns="http://schemas.microsoft.com/sharepoint/v3" xsi:nil="true"/>
+    <Image xmlns="71af3243-3dd4-4a8d-8c0d-dd76da1f02a5">
+      <Url xsi:nil="true"/>
+      <Description xsi:nil="true"/>
+    </Image>
+    <_ip_UnifiedCompliancePolicyProperties xmlns="http://schemas.microsoft.com/sharepoint/v3" xsi:nil="true"/>
+    <ImageTagsTaxHTField xmlns="71af3243-3dd4-4a8d-8c0d-dd76da1f02a5">
+      <Terms xmlns="http://schemas.microsoft.com/office/infopath/2007/PartnerControls"/>
+    </ImageTagsTaxHTField>
+    <TaxCatchAll xmlns="230e9df3-be65-4c73-a93b-d1236ebd677e" xsi:nil="true"/>
+    <MediaServiceKeyPoints xmlns="71af3243-3dd4-4a8d-8c0d-dd76da1f02a5" xsi:nil="true"/>
+  </documentManagement>
+</p:properties>
 </file>
 
 <file path=customXml/item2.xml><?xml version="1.0" encoding="utf-8"?>
@@ -12752,29 +12869,22 @@
 </file>
 
 <file path=customXml/item3.xml><?xml version="1.0" encoding="utf-8"?>
-<p:properties xmlns:p="http://schemas.microsoft.com/office/2006/metadata/properties" xmlns:xsi="http://www.w3.org/2001/XMLSchema-instance" xmlns:pc="http://schemas.microsoft.com/office/infopath/2007/PartnerControls">
-  <documentManagement>
-    <Background xmlns="71af3243-3dd4-4a8d-8c0d-dd76da1f02a5">false</Background>
-    <Status xmlns="71af3243-3dd4-4a8d-8c0d-dd76da1f02a5">Not started</Status>
-    <_ip_UnifiedCompliancePolicyUIAction xmlns="http://schemas.microsoft.com/sharepoint/v3" xsi:nil="true"/>
-    <Image xmlns="71af3243-3dd4-4a8d-8c0d-dd76da1f02a5">
-      <Url xsi:nil="true"/>
-      <Description xsi:nil="true"/>
-    </Image>
-    <_ip_UnifiedCompliancePolicyProperties xmlns="http://schemas.microsoft.com/sharepoint/v3" xsi:nil="true"/>
-    <ImageTagsTaxHTField xmlns="71af3243-3dd4-4a8d-8c0d-dd76da1f02a5">
-      <Terms xmlns="http://schemas.microsoft.com/office/infopath/2007/PartnerControls"/>
-    </ImageTagsTaxHTField>
-    <TaxCatchAll xmlns="230e9df3-be65-4c73-a93b-d1236ebd677e" xsi:nil="true"/>
-    <MediaServiceKeyPoints xmlns="71af3243-3dd4-4a8d-8c0d-dd76da1f02a5" xsi:nil="true"/>
-  </documentManagement>
-</p:properties>
+<?mso-contentType ?>
+<FormTemplates xmlns="http://schemas.microsoft.com/sharepoint/v3/contenttype/forms">
+  <Display>DocumentLibraryForm</Display>
+  <Edit>DocumentLibraryForm</Edit>
+  <New>DocumentLibraryForm</New>
+</FormTemplates>
 </file>
 
 <file path=customXml/itemProps1.xml><?xml version="1.0" encoding="utf-8"?>
-<ds:datastoreItem xmlns:ds="http://schemas.openxmlformats.org/officeDocument/2006/customXml" ds:itemID="{C21FFAC0-05A2-416A-B06C-C248395482CF}">
+<ds:datastoreItem xmlns:ds="http://schemas.openxmlformats.org/officeDocument/2006/customXml" ds:itemID="{4F4B194E-8B30-4377-8C59-ECFB902D2A26}">
   <ds:schemaRefs>
-    <ds:schemaRef ds:uri="http://schemas.microsoft.com/sharepoint/v3/contenttype/forms"/>
+    <ds:schemaRef ds:uri="http://schemas.microsoft.com/office/2006/metadata/properties"/>
+    <ds:schemaRef ds:uri="http://schemas.microsoft.com/office/infopath/2007/PartnerControls"/>
+    <ds:schemaRef ds:uri="71af3243-3dd4-4a8d-8c0d-dd76da1f02a5"/>
+    <ds:schemaRef ds:uri="http://schemas.microsoft.com/sharepoint/v3"/>
+    <ds:schemaRef ds:uri="230e9df3-be65-4c73-a93b-d1236ebd677e"/>
   </ds:schemaRefs>
 </ds:datastoreItem>
 </file>
@@ -12801,13 +12911,9 @@
 </file>
 
 <file path=customXml/itemProps3.xml><?xml version="1.0" encoding="utf-8"?>
-<ds:datastoreItem xmlns:ds="http://schemas.openxmlformats.org/officeDocument/2006/customXml" ds:itemID="{4F4B194E-8B30-4377-8C59-ECFB902D2A26}">
+<ds:datastoreItem xmlns:ds="http://schemas.openxmlformats.org/officeDocument/2006/customXml" ds:itemID="{C21FFAC0-05A2-416A-B06C-C248395482CF}">
   <ds:schemaRefs>
-    <ds:schemaRef ds:uri="http://schemas.microsoft.com/office/2006/metadata/properties"/>
-    <ds:schemaRef ds:uri="http://schemas.microsoft.com/office/infopath/2007/PartnerControls"/>
-    <ds:schemaRef ds:uri="71af3243-3dd4-4a8d-8c0d-dd76da1f02a5"/>
-    <ds:schemaRef ds:uri="http://schemas.microsoft.com/sharepoint/v3"/>
-    <ds:schemaRef ds:uri="230e9df3-be65-4c73-a93b-d1236ebd677e"/>
+    <ds:schemaRef ds:uri="http://schemas.microsoft.com/sharepoint/v3/contenttype/forms"/>
   </ds:schemaRefs>
 </ds:datastoreItem>
 </file>

--- a/Project Info.pptx
+++ b/Project Info.pptx
@@ -147,18 +147,18 @@
   <pc:docChgLst>
     <pc:chgData name="Suman Duduka" userId="cd650ad2-cd27-4ecd-8e3a-1b1e39896e63" providerId="ADAL" clId="{A7DF6882-9606-4262-8AC4-5629C1847D63}"/>
     <pc:docChg chg="undo custSel modSld">
-      <pc:chgData name="Suman Duduka" userId="cd650ad2-cd27-4ecd-8e3a-1b1e39896e63" providerId="ADAL" clId="{A7DF6882-9606-4262-8AC4-5629C1847D63}" dt="2025-02-25T15:27:10.631" v="65" actId="20577"/>
+      <pc:chgData name="Suman Duduka" userId="cd650ad2-cd27-4ecd-8e3a-1b1e39896e63" providerId="ADAL" clId="{A7DF6882-9606-4262-8AC4-5629C1847D63}" dt="2025-02-25T20:14:53.065" v="67" actId="20577"/>
       <pc:docMkLst>
         <pc:docMk/>
       </pc:docMkLst>
       <pc:sldChg chg="modSp mod">
-        <pc:chgData name="Suman Duduka" userId="cd650ad2-cd27-4ecd-8e3a-1b1e39896e63" providerId="ADAL" clId="{A7DF6882-9606-4262-8AC4-5629C1847D63}" dt="2025-02-25T15:25:35.639" v="32" actId="20577"/>
+        <pc:chgData name="Suman Duduka" userId="cd650ad2-cd27-4ecd-8e3a-1b1e39896e63" providerId="ADAL" clId="{A7DF6882-9606-4262-8AC4-5629C1847D63}" dt="2025-02-25T20:14:53.065" v="67" actId="20577"/>
         <pc:sldMkLst>
           <pc:docMk/>
           <pc:sldMk cId="2639983765" sldId="273"/>
         </pc:sldMkLst>
         <pc:spChg chg="mod">
-          <ac:chgData name="Suman Duduka" userId="cd650ad2-cd27-4ecd-8e3a-1b1e39896e63" providerId="ADAL" clId="{A7DF6882-9606-4262-8AC4-5629C1847D63}" dt="2025-02-25T15:25:35.639" v="32" actId="20577"/>
+          <ac:chgData name="Suman Duduka" userId="cd650ad2-cd27-4ecd-8e3a-1b1e39896e63" providerId="ADAL" clId="{A7DF6882-9606-4262-8AC4-5629C1847D63}" dt="2025-02-25T20:14:53.065" v="67" actId="20577"/>
           <ac:spMkLst>
             <pc:docMk/>
             <pc:sldMk cId="2639983765" sldId="273"/>
@@ -10516,7 +10516,15 @@
             </a:r>
             <a:r>
               <a:rPr lang="en-US" sz="2200" dirty="0"/>
-              <a:t>at $15.39 Million</a:t>
+              <a:t>at </a:t>
+            </a:r>
+            <a:r>
+              <a:rPr lang="en-US" sz="2200"/>
+              <a:t>$15.30 </a:t>
+            </a:r>
+            <a:r>
+              <a:rPr lang="en-US" sz="2200" dirty="0"/>
+              <a:t>Million</a:t>
             </a:r>
             <a:endParaRPr lang="en-US" sz="2200" b="1" dirty="0"/>
           </a:p>
@@ -12537,23 +12545,12 @@
 </file>
 
 <file path=customXml/item1.xml><?xml version="1.0" encoding="utf-8"?>
-<p:properties xmlns:p="http://schemas.microsoft.com/office/2006/metadata/properties" xmlns:xsi="http://www.w3.org/2001/XMLSchema-instance" xmlns:pc="http://schemas.microsoft.com/office/infopath/2007/PartnerControls">
-  <documentManagement>
-    <Background xmlns="71af3243-3dd4-4a8d-8c0d-dd76da1f02a5">false</Background>
-    <Status xmlns="71af3243-3dd4-4a8d-8c0d-dd76da1f02a5">Not started</Status>
-    <_ip_UnifiedCompliancePolicyUIAction xmlns="http://schemas.microsoft.com/sharepoint/v3" xsi:nil="true"/>
-    <Image xmlns="71af3243-3dd4-4a8d-8c0d-dd76da1f02a5">
-      <Url xsi:nil="true"/>
-      <Description xsi:nil="true"/>
-    </Image>
-    <_ip_UnifiedCompliancePolicyProperties xmlns="http://schemas.microsoft.com/sharepoint/v3" xsi:nil="true"/>
-    <ImageTagsTaxHTField xmlns="71af3243-3dd4-4a8d-8c0d-dd76da1f02a5">
-      <Terms xmlns="http://schemas.microsoft.com/office/infopath/2007/PartnerControls"/>
-    </ImageTagsTaxHTField>
-    <TaxCatchAll xmlns="230e9df3-be65-4c73-a93b-d1236ebd677e" xsi:nil="true"/>
-    <MediaServiceKeyPoints xmlns="71af3243-3dd4-4a8d-8c0d-dd76da1f02a5" xsi:nil="true"/>
-  </documentManagement>
-</p:properties>
+<?mso-contentType ?>
+<FormTemplates xmlns="http://schemas.microsoft.com/sharepoint/v3/contenttype/forms">
+  <Display>DocumentLibraryForm</Display>
+  <Edit>DocumentLibraryForm</Edit>
+  <New>DocumentLibraryForm</New>
+</FormTemplates>
 </file>
 
 <file path=customXml/item2.xml><?xml version="1.0" encoding="utf-8"?>
@@ -12869,22 +12866,29 @@
 </file>
 
 <file path=customXml/item3.xml><?xml version="1.0" encoding="utf-8"?>
-<?mso-contentType ?>
-<FormTemplates xmlns="http://schemas.microsoft.com/sharepoint/v3/contenttype/forms">
-  <Display>DocumentLibraryForm</Display>
-  <Edit>DocumentLibraryForm</Edit>
-  <New>DocumentLibraryForm</New>
-</FormTemplates>
+<p:properties xmlns:p="http://schemas.microsoft.com/office/2006/metadata/properties" xmlns:xsi="http://www.w3.org/2001/XMLSchema-instance" xmlns:pc="http://schemas.microsoft.com/office/infopath/2007/PartnerControls">
+  <documentManagement>
+    <Background xmlns="71af3243-3dd4-4a8d-8c0d-dd76da1f02a5">false</Background>
+    <Status xmlns="71af3243-3dd4-4a8d-8c0d-dd76da1f02a5">Not started</Status>
+    <_ip_UnifiedCompliancePolicyUIAction xmlns="http://schemas.microsoft.com/sharepoint/v3" xsi:nil="true"/>
+    <Image xmlns="71af3243-3dd4-4a8d-8c0d-dd76da1f02a5">
+      <Url xsi:nil="true"/>
+      <Description xsi:nil="true"/>
+    </Image>
+    <_ip_UnifiedCompliancePolicyProperties xmlns="http://schemas.microsoft.com/sharepoint/v3" xsi:nil="true"/>
+    <ImageTagsTaxHTField xmlns="71af3243-3dd4-4a8d-8c0d-dd76da1f02a5">
+      <Terms xmlns="http://schemas.microsoft.com/office/infopath/2007/PartnerControls"/>
+    </ImageTagsTaxHTField>
+    <TaxCatchAll xmlns="230e9df3-be65-4c73-a93b-d1236ebd677e" xsi:nil="true"/>
+    <MediaServiceKeyPoints xmlns="71af3243-3dd4-4a8d-8c0d-dd76da1f02a5" xsi:nil="true"/>
+  </documentManagement>
+</p:properties>
 </file>
 
 <file path=customXml/itemProps1.xml><?xml version="1.0" encoding="utf-8"?>
-<ds:datastoreItem xmlns:ds="http://schemas.openxmlformats.org/officeDocument/2006/customXml" ds:itemID="{4F4B194E-8B30-4377-8C59-ECFB902D2A26}">
+<ds:datastoreItem xmlns:ds="http://schemas.openxmlformats.org/officeDocument/2006/customXml" ds:itemID="{C21FFAC0-05A2-416A-B06C-C248395482CF}">
   <ds:schemaRefs>
-    <ds:schemaRef ds:uri="http://schemas.microsoft.com/office/2006/metadata/properties"/>
-    <ds:schemaRef ds:uri="http://schemas.microsoft.com/office/infopath/2007/PartnerControls"/>
-    <ds:schemaRef ds:uri="71af3243-3dd4-4a8d-8c0d-dd76da1f02a5"/>
-    <ds:schemaRef ds:uri="http://schemas.microsoft.com/sharepoint/v3"/>
-    <ds:schemaRef ds:uri="230e9df3-be65-4c73-a93b-d1236ebd677e"/>
+    <ds:schemaRef ds:uri="http://schemas.microsoft.com/sharepoint/v3/contenttype/forms"/>
   </ds:schemaRefs>
 </ds:datastoreItem>
 </file>
@@ -12911,9 +12915,13 @@
 </file>
 
 <file path=customXml/itemProps3.xml><?xml version="1.0" encoding="utf-8"?>
-<ds:datastoreItem xmlns:ds="http://schemas.openxmlformats.org/officeDocument/2006/customXml" ds:itemID="{C21FFAC0-05A2-416A-B06C-C248395482CF}">
+<ds:datastoreItem xmlns:ds="http://schemas.openxmlformats.org/officeDocument/2006/customXml" ds:itemID="{4F4B194E-8B30-4377-8C59-ECFB902D2A26}">
   <ds:schemaRefs>
-    <ds:schemaRef ds:uri="http://schemas.microsoft.com/sharepoint/v3/contenttype/forms"/>
+    <ds:schemaRef ds:uri="http://schemas.microsoft.com/office/2006/metadata/properties"/>
+    <ds:schemaRef ds:uri="http://schemas.microsoft.com/office/infopath/2007/PartnerControls"/>
+    <ds:schemaRef ds:uri="71af3243-3dd4-4a8d-8c0d-dd76da1f02a5"/>
+    <ds:schemaRef ds:uri="http://schemas.microsoft.com/sharepoint/v3"/>
+    <ds:schemaRef ds:uri="230e9df3-be65-4c73-a93b-d1236ebd677e"/>
   </ds:schemaRefs>
 </ds:datastoreItem>
 </file>
